--- a/Flocking/Result_Analysis/EM/EM_Exp5/varying_emergence.pptx
+++ b/Flocking/Result_Analysis/EM/EM_Exp5/varying_emergence.pptx
@@ -104,13 +104,18 @@
       </a:defRPr>
     </a:lvl9pPr>
   </p:defaultTextStyle>
+  <p:extLst>
+    <p:ext uri="{EFAFB233-063F-42B5-8137-9DF3F51BA10A}">
+      <p15:sldGuideLst xmlns:p15="http://schemas.microsoft.com/office/powerpoint/2012/main"/>
+    </p:ext>
+  </p:extLst>
 </p:presentation>
 </file>
 
 <file path=ppt/revisionInfo.xml><?xml version="1.0" encoding="utf-8"?>
 <p1510:revInfo xmlns:a="http://schemas.openxmlformats.org/drawingml/2006/main" xmlns:r="http://schemas.openxmlformats.org/officeDocument/2006/relationships" xmlns:p1510="http://schemas.microsoft.com/office/powerpoint/2015/10/main">
   <p1510:revLst>
-    <p1510:client id="{35C86F8B-222B-4F56-9E0F-F3B6ECB6335F}" v="6" dt="2024-03-18T14:50:24.221"/>
+    <p1510:client id="{35C86F8B-222B-4F56-9E0F-F3B6ECB6335F}" v="8" dt="2024-03-25T07:16:39.273"/>
   </p1510:revLst>
 </p1510:revInfo>
 </file>
@@ -120,12 +125,12 @@
   <pc:docChgLst>
     <pc:chgData name="Saumitra Dwivedi" userId="3c674273-12ae-455a-a0b1-edc06a1b7576" providerId="ADAL" clId="{35C86F8B-222B-4F56-9E0F-F3B6ECB6335F}"/>
     <pc:docChg chg="custSel addSld modSld">
-      <pc:chgData name="Saumitra Dwivedi" userId="3c674273-12ae-455a-a0b1-edc06a1b7576" providerId="ADAL" clId="{35C86F8B-222B-4F56-9E0F-F3B6ECB6335F}" dt="2024-03-18T14:50:24.221" v="37" actId="164"/>
+      <pc:chgData name="Saumitra Dwivedi" userId="3c674273-12ae-455a-a0b1-edc06a1b7576" providerId="ADAL" clId="{35C86F8B-222B-4F56-9E0F-F3B6ECB6335F}" dt="2024-03-25T07:16:39.273" v="61" actId="164"/>
       <pc:docMkLst>
         <pc:docMk/>
       </pc:docMkLst>
       <pc:sldChg chg="addSp delSp modSp new mod modClrScheme chgLayout">
-        <pc:chgData name="Saumitra Dwivedi" userId="3c674273-12ae-455a-a0b1-edc06a1b7576" providerId="ADAL" clId="{35C86F8B-222B-4F56-9E0F-F3B6ECB6335F}" dt="2024-03-18T14:50:24.221" v="37" actId="164"/>
+        <pc:chgData name="Saumitra Dwivedi" userId="3c674273-12ae-455a-a0b1-edc06a1b7576" providerId="ADAL" clId="{35C86F8B-222B-4F56-9E0F-F3B6ECB6335F}" dt="2024-03-25T07:16:39.273" v="61" actId="164"/>
         <pc:sldMkLst>
           <pc:docMk/>
           <pc:sldMk cId="105874777" sldId="256"/>
@@ -146,54 +151,78 @@
             <ac:spMk id="3" creationId="{B50A6931-EFBD-7EF4-83F3-6A67E0AA6D29}"/>
           </ac:spMkLst>
         </pc:spChg>
-        <pc:spChg chg="add mod">
-          <ac:chgData name="Saumitra Dwivedi" userId="3c674273-12ae-455a-a0b1-edc06a1b7576" providerId="ADAL" clId="{35C86F8B-222B-4F56-9E0F-F3B6ECB6335F}" dt="2024-03-18T14:50:24.221" v="37" actId="164"/>
+        <pc:spChg chg="add mod topLvl">
+          <ac:chgData name="Saumitra Dwivedi" userId="3c674273-12ae-455a-a0b1-edc06a1b7576" providerId="ADAL" clId="{35C86F8B-222B-4F56-9E0F-F3B6ECB6335F}" dt="2024-03-25T07:16:39.273" v="61" actId="164"/>
           <ac:spMkLst>
             <pc:docMk/>
             <pc:sldMk cId="105874777" sldId="256"/>
             <ac:spMk id="14" creationId="{C0277111-967E-DBC3-2DA9-32C0840F04DA}"/>
           </ac:spMkLst>
         </pc:spChg>
-        <pc:spChg chg="add mod">
-          <ac:chgData name="Saumitra Dwivedi" userId="3c674273-12ae-455a-a0b1-edc06a1b7576" providerId="ADAL" clId="{35C86F8B-222B-4F56-9E0F-F3B6ECB6335F}" dt="2024-03-18T14:50:24.221" v="37" actId="164"/>
+        <pc:spChg chg="add mod topLvl">
+          <ac:chgData name="Saumitra Dwivedi" userId="3c674273-12ae-455a-a0b1-edc06a1b7576" providerId="ADAL" clId="{35C86F8B-222B-4F56-9E0F-F3B6ECB6335F}" dt="2024-03-25T07:16:39.273" v="61" actId="164"/>
           <ac:spMkLst>
             <pc:docMk/>
             <pc:sldMk cId="105874777" sldId="256"/>
             <ac:spMk id="15" creationId="{C5432EFF-ED26-8D7E-F628-13BF8DD2435D}"/>
           </ac:spMkLst>
         </pc:spChg>
-        <pc:spChg chg="add mod">
-          <ac:chgData name="Saumitra Dwivedi" userId="3c674273-12ae-455a-a0b1-edc06a1b7576" providerId="ADAL" clId="{35C86F8B-222B-4F56-9E0F-F3B6ECB6335F}" dt="2024-03-18T14:50:24.221" v="37" actId="164"/>
+        <pc:spChg chg="add mod topLvl">
+          <ac:chgData name="Saumitra Dwivedi" userId="3c674273-12ae-455a-a0b1-edc06a1b7576" providerId="ADAL" clId="{35C86F8B-222B-4F56-9E0F-F3B6ECB6335F}" dt="2024-03-25T07:16:39.273" v="61" actId="164"/>
           <ac:spMkLst>
             <pc:docMk/>
             <pc:sldMk cId="105874777" sldId="256"/>
             <ac:spMk id="16" creationId="{A2FE506D-4A02-1CA7-CFE7-7A2695D37445}"/>
           </ac:spMkLst>
         </pc:spChg>
-        <pc:spChg chg="add mod">
-          <ac:chgData name="Saumitra Dwivedi" userId="3c674273-12ae-455a-a0b1-edc06a1b7576" providerId="ADAL" clId="{35C86F8B-222B-4F56-9E0F-F3B6ECB6335F}" dt="2024-03-18T14:50:24.221" v="37" actId="164"/>
+        <pc:spChg chg="add mod topLvl">
+          <ac:chgData name="Saumitra Dwivedi" userId="3c674273-12ae-455a-a0b1-edc06a1b7576" providerId="ADAL" clId="{35C86F8B-222B-4F56-9E0F-F3B6ECB6335F}" dt="2024-03-25T07:16:39.273" v="61" actId="164"/>
           <ac:spMkLst>
             <pc:docMk/>
             <pc:sldMk cId="105874777" sldId="256"/>
             <ac:spMk id="17" creationId="{7D338326-69CB-7B57-147F-5BDA507A5B6B}"/>
           </ac:spMkLst>
         </pc:spChg>
-        <pc:spChg chg="add mod">
-          <ac:chgData name="Saumitra Dwivedi" userId="3c674273-12ae-455a-a0b1-edc06a1b7576" providerId="ADAL" clId="{35C86F8B-222B-4F56-9E0F-F3B6ECB6335F}" dt="2024-03-18T14:50:24.221" v="37" actId="164"/>
+        <pc:spChg chg="add mod topLvl">
+          <ac:chgData name="Saumitra Dwivedi" userId="3c674273-12ae-455a-a0b1-edc06a1b7576" providerId="ADAL" clId="{35C86F8B-222B-4F56-9E0F-F3B6ECB6335F}" dt="2024-03-25T07:16:39.273" v="61" actId="164"/>
           <ac:spMkLst>
             <pc:docMk/>
             <pc:sldMk cId="105874777" sldId="256"/>
             <ac:spMk id="20" creationId="{6FC285F7-EAAC-8DBF-898B-542B2E930C7E}"/>
           </ac:spMkLst>
         </pc:spChg>
-        <pc:grpChg chg="add mod">
-          <ac:chgData name="Saumitra Dwivedi" userId="3c674273-12ae-455a-a0b1-edc06a1b7576" providerId="ADAL" clId="{35C86F8B-222B-4F56-9E0F-F3B6ECB6335F}" dt="2024-03-18T14:50:24.221" v="37" actId="164"/>
+        <pc:grpChg chg="add del mod">
+          <ac:chgData name="Saumitra Dwivedi" userId="3c674273-12ae-455a-a0b1-edc06a1b7576" providerId="ADAL" clId="{35C86F8B-222B-4F56-9E0F-F3B6ECB6335F}" dt="2024-03-25T07:13:51.634" v="38" actId="165"/>
           <ac:grpSpMkLst>
             <pc:docMk/>
             <pc:sldMk cId="105874777" sldId="256"/>
             <ac:grpSpMk id="21" creationId="{E84D16EB-06A8-B3C0-EBFC-2CC9F438ECDB}"/>
           </ac:grpSpMkLst>
         </pc:grpChg>
+        <pc:grpChg chg="add mod">
+          <ac:chgData name="Saumitra Dwivedi" userId="3c674273-12ae-455a-a0b1-edc06a1b7576" providerId="ADAL" clId="{35C86F8B-222B-4F56-9E0F-F3B6ECB6335F}" dt="2024-03-25T07:16:39.273" v="61" actId="164"/>
+          <ac:grpSpMkLst>
+            <pc:docMk/>
+            <pc:sldMk cId="105874777" sldId="256"/>
+            <ac:grpSpMk id="23" creationId="{0D8362BC-FEB3-E5EC-7B9D-4A616523785F}"/>
+          </ac:grpSpMkLst>
+        </pc:grpChg>
+        <pc:picChg chg="add mod ord">
+          <ac:chgData name="Saumitra Dwivedi" userId="3c674273-12ae-455a-a0b1-edc06a1b7576" providerId="ADAL" clId="{35C86F8B-222B-4F56-9E0F-F3B6ECB6335F}" dt="2024-03-25T07:16:39.273" v="61" actId="164"/>
+          <ac:picMkLst>
+            <pc:docMk/>
+            <pc:sldMk cId="105874777" sldId="256"/>
+            <ac:picMk id="3" creationId="{F4A9A8F2-5D95-C85B-3728-0EA2E40EA60D}"/>
+          </ac:picMkLst>
+        </pc:picChg>
+        <pc:picChg chg="add mod ord">
+          <ac:chgData name="Saumitra Dwivedi" userId="3c674273-12ae-455a-a0b1-edc06a1b7576" providerId="ADAL" clId="{35C86F8B-222B-4F56-9E0F-F3B6ECB6335F}" dt="2024-03-25T07:16:39.273" v="61" actId="164"/>
+          <ac:picMkLst>
+            <pc:docMk/>
+            <pc:sldMk cId="105874777" sldId="256"/>
+            <ac:picMk id="5" creationId="{B1757742-C14E-C88D-E756-4A1BBFD8D2B9}"/>
+          </ac:picMkLst>
+        </pc:picChg>
         <pc:picChg chg="add del mod">
           <ac:chgData name="Saumitra Dwivedi" userId="3c674273-12ae-455a-a0b1-edc06a1b7576" providerId="ADAL" clId="{35C86F8B-222B-4F56-9E0F-F3B6ECB6335F}" dt="2024-03-18T14:47:54.189" v="4" actId="478"/>
           <ac:picMkLst>
@@ -202,44 +231,68 @@
             <ac:picMk id="5" creationId="{E1C340B1-234F-D4A8-79FA-6DB260EC5388}"/>
           </ac:picMkLst>
         </pc:picChg>
-        <pc:picChg chg="add mod">
-          <ac:chgData name="Saumitra Dwivedi" userId="3c674273-12ae-455a-a0b1-edc06a1b7576" providerId="ADAL" clId="{35C86F8B-222B-4F56-9E0F-F3B6ECB6335F}" dt="2024-03-18T14:50:24.221" v="37" actId="164"/>
+        <pc:picChg chg="add del mod topLvl">
+          <ac:chgData name="Saumitra Dwivedi" userId="3c674273-12ae-455a-a0b1-edc06a1b7576" providerId="ADAL" clId="{35C86F8B-222B-4F56-9E0F-F3B6ECB6335F}" dt="2024-03-25T07:14:16.711" v="42" actId="478"/>
           <ac:picMkLst>
             <pc:docMk/>
             <pc:sldMk cId="105874777" sldId="256"/>
             <ac:picMk id="7" creationId="{90D43352-AB0D-8C00-FEA4-ECE5F898AD4F}"/>
           </ac:picMkLst>
         </pc:picChg>
-        <pc:picChg chg="add mod">
-          <ac:chgData name="Saumitra Dwivedi" userId="3c674273-12ae-455a-a0b1-edc06a1b7576" providerId="ADAL" clId="{35C86F8B-222B-4F56-9E0F-F3B6ECB6335F}" dt="2024-03-18T14:50:24.221" v="37" actId="164"/>
+        <pc:picChg chg="add mod ord">
+          <ac:chgData name="Saumitra Dwivedi" userId="3c674273-12ae-455a-a0b1-edc06a1b7576" providerId="ADAL" clId="{35C86F8B-222B-4F56-9E0F-F3B6ECB6335F}" dt="2024-03-25T07:16:39.273" v="61" actId="164"/>
+          <ac:picMkLst>
+            <pc:docMk/>
+            <pc:sldMk cId="105874777" sldId="256"/>
+            <ac:picMk id="8" creationId="{3D477778-5E4F-2C63-94FB-F55FB3E8C66B}"/>
+          </ac:picMkLst>
+        </pc:picChg>
+        <pc:picChg chg="add del mod topLvl">
+          <ac:chgData name="Saumitra Dwivedi" userId="3c674273-12ae-455a-a0b1-edc06a1b7576" providerId="ADAL" clId="{35C86F8B-222B-4F56-9E0F-F3B6ECB6335F}" dt="2024-03-25T07:14:55.571" v="46" actId="478"/>
           <ac:picMkLst>
             <pc:docMk/>
             <pc:sldMk cId="105874777" sldId="256"/>
             <ac:picMk id="9" creationId="{B3EF209C-1425-9D8B-5775-CB605A42F18A}"/>
           </ac:picMkLst>
         </pc:picChg>
-        <pc:picChg chg="add mod">
-          <ac:chgData name="Saumitra Dwivedi" userId="3c674273-12ae-455a-a0b1-edc06a1b7576" providerId="ADAL" clId="{35C86F8B-222B-4F56-9E0F-F3B6ECB6335F}" dt="2024-03-18T14:50:24.221" v="37" actId="164"/>
+        <pc:picChg chg="add del mod topLvl">
+          <ac:chgData name="Saumitra Dwivedi" userId="3c674273-12ae-455a-a0b1-edc06a1b7576" providerId="ADAL" clId="{35C86F8B-222B-4F56-9E0F-F3B6ECB6335F}" dt="2024-03-25T07:15:40.627" v="52" actId="478"/>
           <ac:picMkLst>
             <pc:docMk/>
             <pc:sldMk cId="105874777" sldId="256"/>
             <ac:picMk id="11" creationId="{2A668FB1-EC9B-DA1B-D352-488460429FC4}"/>
           </ac:picMkLst>
         </pc:picChg>
-        <pc:picChg chg="add mod">
-          <ac:chgData name="Saumitra Dwivedi" userId="3c674273-12ae-455a-a0b1-edc06a1b7576" providerId="ADAL" clId="{35C86F8B-222B-4F56-9E0F-F3B6ECB6335F}" dt="2024-03-18T14:50:24.221" v="37" actId="164"/>
+        <pc:picChg chg="add mod ord">
+          <ac:chgData name="Saumitra Dwivedi" userId="3c674273-12ae-455a-a0b1-edc06a1b7576" providerId="ADAL" clId="{35C86F8B-222B-4F56-9E0F-F3B6ECB6335F}" dt="2024-03-25T07:16:39.273" v="61" actId="164"/>
+          <ac:picMkLst>
+            <pc:docMk/>
+            <pc:sldMk cId="105874777" sldId="256"/>
+            <ac:picMk id="12" creationId="{A0A3519A-3EAD-8EB1-6ED8-70F532577936}"/>
+          </ac:picMkLst>
+        </pc:picChg>
+        <pc:picChg chg="add del mod topLvl">
+          <ac:chgData name="Saumitra Dwivedi" userId="3c674273-12ae-455a-a0b1-edc06a1b7576" providerId="ADAL" clId="{35C86F8B-222B-4F56-9E0F-F3B6ECB6335F}" dt="2024-03-25T07:16:07.933" v="56" actId="478"/>
           <ac:picMkLst>
             <pc:docMk/>
             <pc:sldMk cId="105874777" sldId="256"/>
             <ac:picMk id="13" creationId="{428FBAD2-6C44-964A-29CD-527B083FFCA0}"/>
           </ac:picMkLst>
         </pc:picChg>
-        <pc:picChg chg="add mod">
-          <ac:chgData name="Saumitra Dwivedi" userId="3c674273-12ae-455a-a0b1-edc06a1b7576" providerId="ADAL" clId="{35C86F8B-222B-4F56-9E0F-F3B6ECB6335F}" dt="2024-03-18T14:50:24.221" v="37" actId="164"/>
+        <pc:picChg chg="add del mod topLvl">
+          <ac:chgData name="Saumitra Dwivedi" userId="3c674273-12ae-455a-a0b1-edc06a1b7576" providerId="ADAL" clId="{35C86F8B-222B-4F56-9E0F-F3B6ECB6335F}" dt="2024-03-25T07:16:33.363" v="60" actId="478"/>
           <ac:picMkLst>
             <pc:docMk/>
             <pc:sldMk cId="105874777" sldId="256"/>
             <ac:picMk id="19" creationId="{3F37F816-34E6-0FBD-0C6D-39CD1F775F8B}"/>
+          </ac:picMkLst>
+        </pc:picChg>
+        <pc:picChg chg="add mod ord">
+          <ac:chgData name="Saumitra Dwivedi" userId="3c674273-12ae-455a-a0b1-edc06a1b7576" providerId="ADAL" clId="{35C86F8B-222B-4F56-9E0F-F3B6ECB6335F}" dt="2024-03-25T07:16:39.273" v="61" actId="164"/>
+          <ac:picMkLst>
+            <pc:docMk/>
+            <pc:sldMk cId="105874777" sldId="256"/>
+            <ac:picMk id="22" creationId="{7FE21118-2393-B50F-8A0C-803592A858C8}"/>
           </ac:picMkLst>
         </pc:picChg>
       </pc:sldChg>
@@ -395,7 +448,7 @@
           <a:p>
             <a:fld id="{5B1011DF-7B98-43C0-ACF0-A9F479F06F9D}" type="datetimeFigureOut">
               <a:rPr lang="en-US" smtClean="0"/>
-              <a:t>3/18/2024</a:t>
+              <a:t>3/25/2024</a:t>
             </a:fld>
             <a:endParaRPr lang="en-US"/>
           </a:p>
@@ -593,7 +646,7 @@
           <a:p>
             <a:fld id="{5B1011DF-7B98-43C0-ACF0-A9F479F06F9D}" type="datetimeFigureOut">
               <a:rPr lang="en-US" smtClean="0"/>
-              <a:t>3/18/2024</a:t>
+              <a:t>3/25/2024</a:t>
             </a:fld>
             <a:endParaRPr lang="en-US"/>
           </a:p>
@@ -801,7 +854,7 @@
           <a:p>
             <a:fld id="{5B1011DF-7B98-43C0-ACF0-A9F479F06F9D}" type="datetimeFigureOut">
               <a:rPr lang="en-US" smtClean="0"/>
-              <a:t>3/18/2024</a:t>
+              <a:t>3/25/2024</a:t>
             </a:fld>
             <a:endParaRPr lang="en-US"/>
           </a:p>
@@ -999,7 +1052,7 @@
           <a:p>
             <a:fld id="{5B1011DF-7B98-43C0-ACF0-A9F479F06F9D}" type="datetimeFigureOut">
               <a:rPr lang="en-US" smtClean="0"/>
-              <a:t>3/18/2024</a:t>
+              <a:t>3/25/2024</a:t>
             </a:fld>
             <a:endParaRPr lang="en-US"/>
           </a:p>
@@ -1274,7 +1327,7 @@
           <a:p>
             <a:fld id="{5B1011DF-7B98-43C0-ACF0-A9F479F06F9D}" type="datetimeFigureOut">
               <a:rPr lang="en-US" smtClean="0"/>
-              <a:t>3/18/2024</a:t>
+              <a:t>3/25/2024</a:t>
             </a:fld>
             <a:endParaRPr lang="en-US"/>
           </a:p>
@@ -1539,7 +1592,7 @@
           <a:p>
             <a:fld id="{5B1011DF-7B98-43C0-ACF0-A9F479F06F9D}" type="datetimeFigureOut">
               <a:rPr lang="en-US" smtClean="0"/>
-              <a:t>3/18/2024</a:t>
+              <a:t>3/25/2024</a:t>
             </a:fld>
             <a:endParaRPr lang="en-US"/>
           </a:p>
@@ -1951,7 +2004,7 @@
           <a:p>
             <a:fld id="{5B1011DF-7B98-43C0-ACF0-A9F479F06F9D}" type="datetimeFigureOut">
               <a:rPr lang="en-US" smtClean="0"/>
-              <a:t>3/18/2024</a:t>
+              <a:t>3/25/2024</a:t>
             </a:fld>
             <a:endParaRPr lang="en-US"/>
           </a:p>
@@ -2092,7 +2145,7 @@
           <a:p>
             <a:fld id="{5B1011DF-7B98-43C0-ACF0-A9F479F06F9D}" type="datetimeFigureOut">
               <a:rPr lang="en-US" smtClean="0"/>
-              <a:t>3/18/2024</a:t>
+              <a:t>3/25/2024</a:t>
             </a:fld>
             <a:endParaRPr lang="en-US"/>
           </a:p>
@@ -2205,7 +2258,7 @@
           <a:p>
             <a:fld id="{5B1011DF-7B98-43C0-ACF0-A9F479F06F9D}" type="datetimeFigureOut">
               <a:rPr lang="en-US" smtClean="0"/>
-              <a:t>3/18/2024</a:t>
+              <a:t>3/25/2024</a:t>
             </a:fld>
             <a:endParaRPr lang="en-US"/>
           </a:p>
@@ -2516,7 +2569,7 @@
           <a:p>
             <a:fld id="{5B1011DF-7B98-43C0-ACF0-A9F479F06F9D}" type="datetimeFigureOut">
               <a:rPr lang="en-US" smtClean="0"/>
-              <a:t>3/18/2024</a:t>
+              <a:t>3/25/2024</a:t>
             </a:fld>
             <a:endParaRPr lang="en-US"/>
           </a:p>
@@ -2804,7 +2857,7 @@
           <a:p>
             <a:fld id="{5B1011DF-7B98-43C0-ACF0-A9F479F06F9D}" type="datetimeFigureOut">
               <a:rPr lang="en-US" smtClean="0"/>
-              <a:t>3/18/2024</a:t>
+              <a:t>3/25/2024</a:t>
             </a:fld>
             <a:endParaRPr lang="en-US"/>
           </a:p>
@@ -3045,7 +3098,7 @@
           <a:p>
             <a:fld id="{5B1011DF-7B98-43C0-ACF0-A9F479F06F9D}" type="datetimeFigureOut">
               <a:rPr lang="en-US" smtClean="0"/>
-              <a:t>3/18/2024</a:t>
+              <a:t>3/25/2024</a:t>
             </a:fld>
             <a:endParaRPr lang="en-US"/>
           </a:p>
@@ -3464,10 +3517,10 @@
       </p:grpSpPr>
       <p:grpSp>
         <p:nvGrpSpPr>
-          <p:cNvPr id="21" name="Group 20">
-            <a:extLst>
-              <a:ext uri="{FF2B5EF4-FFF2-40B4-BE49-F238E27FC236}">
-                <a16:creationId xmlns:a16="http://schemas.microsoft.com/office/drawing/2014/main" id="{E84D16EB-06A8-B3C0-EBFC-2CC9F438ECDB}"/>
+          <p:cNvPr id="23" name="Group 22">
+            <a:extLst>
+              <a:ext uri="{FF2B5EF4-FFF2-40B4-BE49-F238E27FC236}">
+                <a16:creationId xmlns:a16="http://schemas.microsoft.com/office/drawing/2014/main" id="{0D8362BC-FEB3-E5EC-7B9D-4A616523785F}"/>
               </a:ext>
             </a:extLst>
           </p:cNvPr>
@@ -3476,18 +3529,18 @@
         </p:nvGrpSpPr>
         <p:grpSpPr>
           <a:xfrm>
-            <a:off x="973299" y="762972"/>
-            <a:ext cx="11035128" cy="4991100"/>
-            <a:chOff x="973299" y="762972"/>
-            <a:chExt cx="11035128" cy="4991100"/>
+            <a:off x="968121" y="762972"/>
+            <a:ext cx="11036300" cy="4991100"/>
+            <a:chOff x="968121" y="762972"/>
+            <a:chExt cx="11036300" cy="4991100"/>
           </a:xfrm>
         </p:grpSpPr>
         <p:pic>
           <p:nvPicPr>
-            <p:cNvPr id="7" name="Picture 6">
+            <p:cNvPr id="22" name="Picture 21">
               <a:extLst>
                 <a:ext uri="{FF2B5EF4-FFF2-40B4-BE49-F238E27FC236}">
-                  <a16:creationId xmlns:a16="http://schemas.microsoft.com/office/drawing/2014/main" id="{90D43352-AB0D-8C00-FEA4-ECE5F898AD4F}"/>
+                  <a16:creationId xmlns:a16="http://schemas.microsoft.com/office/drawing/2014/main" id="{7FE21118-2393-B50F-8A0C-803592A858C8}"/>
                 </a:ext>
               </a:extLst>
             </p:cNvPr>
@@ -3504,7 +3557,7 @@
           </p:blipFill>
           <p:spPr>
             <a:xfrm>
-              <a:off x="973299" y="762972"/>
+              <a:off x="8327771" y="762972"/>
               <a:ext cx="3676650" cy="2495550"/>
             </a:xfrm>
             <a:prstGeom prst="rect">
@@ -3514,10 +3567,10 @@
         </p:pic>
         <p:pic>
           <p:nvPicPr>
-            <p:cNvPr id="9" name="Picture 8">
+            <p:cNvPr id="12" name="Picture 11">
               <a:extLst>
                 <a:ext uri="{FF2B5EF4-FFF2-40B4-BE49-F238E27FC236}">
-                  <a16:creationId xmlns:a16="http://schemas.microsoft.com/office/drawing/2014/main" id="{B3EF209C-1425-9D8B-5775-CB605A42F18A}"/>
+                  <a16:creationId xmlns:a16="http://schemas.microsoft.com/office/drawing/2014/main" id="{A0A3519A-3EAD-8EB1-6ED8-70F532577936}"/>
                 </a:ext>
               </a:extLst>
             </p:cNvPr>
@@ -3534,7 +3587,7 @@
           </p:blipFill>
           <p:spPr>
             <a:xfrm>
-              <a:off x="4649949" y="762972"/>
+              <a:off x="4652538" y="3258522"/>
               <a:ext cx="3676650" cy="2495550"/>
             </a:xfrm>
             <a:prstGeom prst="rect">
@@ -3544,10 +3597,10 @@
         </p:pic>
         <p:pic>
           <p:nvPicPr>
-            <p:cNvPr id="11" name="Picture 10">
+            <p:cNvPr id="8" name="Picture 7">
               <a:extLst>
                 <a:ext uri="{FF2B5EF4-FFF2-40B4-BE49-F238E27FC236}">
-                  <a16:creationId xmlns:a16="http://schemas.microsoft.com/office/drawing/2014/main" id="{2A668FB1-EC9B-DA1B-D352-488460429FC4}"/>
+                  <a16:creationId xmlns:a16="http://schemas.microsoft.com/office/drawing/2014/main" id="{3D477778-5E4F-2C63-94FB-F55FB3E8C66B}"/>
                 </a:ext>
               </a:extLst>
             </p:cNvPr>
@@ -3564,7 +3617,7 @@
           </p:blipFill>
           <p:spPr>
             <a:xfrm>
-              <a:off x="973299" y="3258522"/>
+              <a:off x="977305" y="3258522"/>
               <a:ext cx="3676650" cy="2495550"/>
             </a:xfrm>
             <a:prstGeom prst="rect">
@@ -3574,10 +3627,10 @@
         </p:pic>
         <p:pic>
           <p:nvPicPr>
-            <p:cNvPr id="13" name="Picture 12">
+            <p:cNvPr id="5" name="Picture 4">
               <a:extLst>
                 <a:ext uri="{FF2B5EF4-FFF2-40B4-BE49-F238E27FC236}">
-                  <a16:creationId xmlns:a16="http://schemas.microsoft.com/office/drawing/2014/main" id="{428FBAD2-6C44-964A-29CD-527B083FFCA0}"/>
+                  <a16:creationId xmlns:a16="http://schemas.microsoft.com/office/drawing/2014/main" id="{B1757742-C14E-C88D-E756-4A1BBFD8D2B9}"/>
                 </a:ext>
               </a:extLst>
             </p:cNvPr>
@@ -3594,7 +3647,37 @@
           </p:blipFill>
           <p:spPr>
             <a:xfrm>
-              <a:off x="4649949" y="3258522"/>
+              <a:off x="4644771" y="762972"/>
+              <a:ext cx="3676650" cy="2495550"/>
+            </a:xfrm>
+            <a:prstGeom prst="rect">
+              <a:avLst/>
+            </a:prstGeom>
+          </p:spPr>
+        </p:pic>
+        <p:pic>
+          <p:nvPicPr>
+            <p:cNvPr id="3" name="Picture 2">
+              <a:extLst>
+                <a:ext uri="{FF2B5EF4-FFF2-40B4-BE49-F238E27FC236}">
+                  <a16:creationId xmlns:a16="http://schemas.microsoft.com/office/drawing/2014/main" id="{F4A9A8F2-5D95-C85B-3728-0EA2E40EA60D}"/>
+                </a:ext>
+              </a:extLst>
+            </p:cNvPr>
+            <p:cNvPicPr>
+              <a:picLocks noChangeAspect="1"/>
+            </p:cNvPicPr>
+            <p:nvPr/>
+          </p:nvPicPr>
+          <p:blipFill>
+            <a:blip r:embed="rId6"/>
+            <a:stretch>
+              <a:fillRect/>
+            </a:stretch>
+          </p:blipFill>
+          <p:spPr>
+            <a:xfrm>
+              <a:off x="968121" y="762972"/>
               <a:ext cx="3676650" cy="2495550"/>
             </a:xfrm>
             <a:prstGeom prst="rect">
@@ -3750,36 +3833,6 @@
             </a:p>
           </p:txBody>
         </p:sp>
-        <p:pic>
-          <p:nvPicPr>
-            <p:cNvPr id="19" name="Picture 18">
-              <a:extLst>
-                <a:ext uri="{FF2B5EF4-FFF2-40B4-BE49-F238E27FC236}">
-                  <a16:creationId xmlns:a16="http://schemas.microsoft.com/office/drawing/2014/main" id="{3F37F816-34E6-0FBD-0C6D-39CD1F775F8B}"/>
-                </a:ext>
-              </a:extLst>
-            </p:cNvPr>
-            <p:cNvPicPr>
-              <a:picLocks noChangeAspect="1"/>
-            </p:cNvPicPr>
-            <p:nvPr/>
-          </p:nvPicPr>
-          <p:blipFill>
-            <a:blip r:embed="rId6"/>
-            <a:stretch>
-              <a:fillRect/>
-            </a:stretch>
-          </p:blipFill>
-          <p:spPr>
-            <a:xfrm>
-              <a:off x="8331777" y="762972"/>
-              <a:ext cx="3676650" cy="2495550"/>
-            </a:xfrm>
-            <a:prstGeom prst="rect">
-              <a:avLst/>
-            </a:prstGeom>
-          </p:spPr>
-        </p:pic>
         <p:sp>
           <p:nvSpPr>
             <p:cNvPr id="20" name="TextBox 19">

--- a/Flocking/Result_Analysis/EM/EM_Exp5/varying_emergence.pptx
+++ b/Flocking/Result_Analysis/EM/EM_Exp5/varying_emergence.pptx
@@ -115,7 +115,7 @@
 <file path=ppt/revisionInfo.xml><?xml version="1.0" encoding="utf-8"?>
 <p1510:revInfo xmlns:a="http://schemas.openxmlformats.org/drawingml/2006/main" xmlns:r="http://schemas.openxmlformats.org/officeDocument/2006/relationships" xmlns:p1510="http://schemas.microsoft.com/office/powerpoint/2015/10/main">
   <p1510:revLst>
-    <p1510:client id="{35C86F8B-222B-4F56-9E0F-F3B6ECB6335F}" v="8" dt="2024-03-25T07:16:39.273"/>
+    <p1510:client id="{35FD271C-5149-4C58-939A-40620C32FA33}" v="2" dt="2024-05-29T07:25:01.338"/>
   </p1510:revLst>
 </p1510:revInfo>
 </file>
@@ -448,7 +448,7 @@
           <a:p>
             <a:fld id="{5B1011DF-7B98-43C0-ACF0-A9F479F06F9D}" type="datetimeFigureOut">
               <a:rPr lang="en-US" smtClean="0"/>
-              <a:t>3/25/2024</a:t>
+              <a:t>5/29/2024</a:t>
             </a:fld>
             <a:endParaRPr lang="en-US"/>
           </a:p>
@@ -646,7 +646,7 @@
           <a:p>
             <a:fld id="{5B1011DF-7B98-43C0-ACF0-A9F479F06F9D}" type="datetimeFigureOut">
               <a:rPr lang="en-US" smtClean="0"/>
-              <a:t>3/25/2024</a:t>
+              <a:t>5/29/2024</a:t>
             </a:fld>
             <a:endParaRPr lang="en-US"/>
           </a:p>
@@ -854,7 +854,7 @@
           <a:p>
             <a:fld id="{5B1011DF-7B98-43C0-ACF0-A9F479F06F9D}" type="datetimeFigureOut">
               <a:rPr lang="en-US" smtClean="0"/>
-              <a:t>3/25/2024</a:t>
+              <a:t>5/29/2024</a:t>
             </a:fld>
             <a:endParaRPr lang="en-US"/>
           </a:p>
@@ -1052,7 +1052,7 @@
           <a:p>
             <a:fld id="{5B1011DF-7B98-43C0-ACF0-A9F479F06F9D}" type="datetimeFigureOut">
               <a:rPr lang="en-US" smtClean="0"/>
-              <a:t>3/25/2024</a:t>
+              <a:t>5/29/2024</a:t>
             </a:fld>
             <a:endParaRPr lang="en-US"/>
           </a:p>
@@ -1327,7 +1327,7 @@
           <a:p>
             <a:fld id="{5B1011DF-7B98-43C0-ACF0-A9F479F06F9D}" type="datetimeFigureOut">
               <a:rPr lang="en-US" smtClean="0"/>
-              <a:t>3/25/2024</a:t>
+              <a:t>5/29/2024</a:t>
             </a:fld>
             <a:endParaRPr lang="en-US"/>
           </a:p>
@@ -1592,7 +1592,7 @@
           <a:p>
             <a:fld id="{5B1011DF-7B98-43C0-ACF0-A9F479F06F9D}" type="datetimeFigureOut">
               <a:rPr lang="en-US" smtClean="0"/>
-              <a:t>3/25/2024</a:t>
+              <a:t>5/29/2024</a:t>
             </a:fld>
             <a:endParaRPr lang="en-US"/>
           </a:p>
@@ -2004,7 +2004,7 @@
           <a:p>
             <a:fld id="{5B1011DF-7B98-43C0-ACF0-A9F479F06F9D}" type="datetimeFigureOut">
               <a:rPr lang="en-US" smtClean="0"/>
-              <a:t>3/25/2024</a:t>
+              <a:t>5/29/2024</a:t>
             </a:fld>
             <a:endParaRPr lang="en-US"/>
           </a:p>
@@ -2145,7 +2145,7 @@
           <a:p>
             <a:fld id="{5B1011DF-7B98-43C0-ACF0-A9F479F06F9D}" type="datetimeFigureOut">
               <a:rPr lang="en-US" smtClean="0"/>
-              <a:t>3/25/2024</a:t>
+              <a:t>5/29/2024</a:t>
             </a:fld>
             <a:endParaRPr lang="en-US"/>
           </a:p>
@@ -2258,7 +2258,7 @@
           <a:p>
             <a:fld id="{5B1011DF-7B98-43C0-ACF0-A9F479F06F9D}" type="datetimeFigureOut">
               <a:rPr lang="en-US" smtClean="0"/>
-              <a:t>3/25/2024</a:t>
+              <a:t>5/29/2024</a:t>
             </a:fld>
             <a:endParaRPr lang="en-US"/>
           </a:p>
@@ -2569,7 +2569,7 @@
           <a:p>
             <a:fld id="{5B1011DF-7B98-43C0-ACF0-A9F479F06F9D}" type="datetimeFigureOut">
               <a:rPr lang="en-US" smtClean="0"/>
-              <a:t>3/25/2024</a:t>
+              <a:t>5/29/2024</a:t>
             </a:fld>
             <a:endParaRPr lang="en-US"/>
           </a:p>
@@ -2857,7 +2857,7 @@
           <a:p>
             <a:fld id="{5B1011DF-7B98-43C0-ACF0-A9F479F06F9D}" type="datetimeFigureOut">
               <a:rPr lang="en-US" smtClean="0"/>
-              <a:t>3/25/2024</a:t>
+              <a:t>5/29/2024</a:t>
             </a:fld>
             <a:endParaRPr lang="en-US"/>
           </a:p>
@@ -3098,7 +3098,7 @@
           <a:p>
             <a:fld id="{5B1011DF-7B98-43C0-ACF0-A9F479F06F9D}" type="datetimeFigureOut">
               <a:rPr lang="en-US" smtClean="0"/>
-              <a:t>3/25/2024</a:t>
+              <a:t>5/29/2024</a:t>
             </a:fld>
             <a:endParaRPr lang="en-US"/>
           </a:p>
@@ -3517,10 +3517,10 @@
       </p:grpSpPr>
       <p:grpSp>
         <p:nvGrpSpPr>
-          <p:cNvPr id="23" name="Group 22">
-            <a:extLst>
-              <a:ext uri="{FF2B5EF4-FFF2-40B4-BE49-F238E27FC236}">
-                <a16:creationId xmlns:a16="http://schemas.microsoft.com/office/drawing/2014/main" id="{0D8362BC-FEB3-E5EC-7B9D-4A616523785F}"/>
+          <p:cNvPr id="2" name="Group 1">
+            <a:extLst>
+              <a:ext uri="{FF2B5EF4-FFF2-40B4-BE49-F238E27FC236}">
+                <a16:creationId xmlns:a16="http://schemas.microsoft.com/office/drawing/2014/main" id="{4A1D3004-A1BB-2B6D-B83D-452524142A87}"/>
               </a:ext>
             </a:extLst>
           </p:cNvPr>
@@ -3530,9 +3530,9 @@
         <p:grpSpPr>
           <a:xfrm>
             <a:off x="968121" y="762972"/>
-            <a:ext cx="11036300" cy="4991100"/>
+            <a:ext cx="7361067" cy="7486650"/>
             <a:chOff x="968121" y="762972"/>
-            <a:chExt cx="11036300" cy="4991100"/>
+            <a:chExt cx="7361067" cy="7486650"/>
           </a:xfrm>
         </p:grpSpPr>
         <p:pic>
@@ -3557,7 +3557,7 @@
           </p:blipFill>
           <p:spPr>
             <a:xfrm>
-              <a:off x="8327771" y="762972"/>
+              <a:off x="968121" y="5754072"/>
               <a:ext cx="3676650" cy="2495550"/>
             </a:xfrm>
             <a:prstGeom prst="rect">
@@ -3847,7 +3847,7 @@
           </p:nvSpPr>
           <p:spPr>
             <a:xfrm>
-              <a:off x="8768116" y="1478280"/>
+              <a:off x="1408466" y="6469380"/>
               <a:ext cx="849086" cy="369332"/>
             </a:xfrm>
             <a:prstGeom prst="rect">
